--- a/Final_ideas.pptx
+++ b/Final_ideas.pptx
@@ -109,6 +109,11 @@
       </a:defRPr>
     </a:lvl9pPr>
   </p:defaultTextStyle>
+  <p:extLst>
+    <p:ext uri="{EFAFB233-063F-42B5-8137-9DF3F51BA10A}">
+      <p15:sldGuideLst xmlns:p15="http://schemas.microsoft.com/office/powerpoint/2012/main"/>
+    </p:ext>
+  </p:extLst>
 </p:presentation>
 </file>
 
@@ -259,7 +264,7 @@
           <a:p>
             <a:fld id="{B2D5772E-8394-4C30-A558-28A44A9AA2CA}" type="datetimeFigureOut">
               <a:rPr lang="en-US" smtClean="0"/>
-              <a:t>11/8/2018</a:t>
+              <a:t>11/9/2018</a:t>
             </a:fld>
             <a:endParaRPr lang="en-US"/>
           </a:p>
@@ -457,7 +462,7 @@
           <a:p>
             <a:fld id="{B2D5772E-8394-4C30-A558-28A44A9AA2CA}" type="datetimeFigureOut">
               <a:rPr lang="en-US" smtClean="0"/>
-              <a:t>11/8/2018</a:t>
+              <a:t>11/9/2018</a:t>
             </a:fld>
             <a:endParaRPr lang="en-US"/>
           </a:p>
@@ -665,7 +670,7 @@
           <a:p>
             <a:fld id="{B2D5772E-8394-4C30-A558-28A44A9AA2CA}" type="datetimeFigureOut">
               <a:rPr lang="en-US" smtClean="0"/>
-              <a:t>11/8/2018</a:t>
+              <a:t>11/9/2018</a:t>
             </a:fld>
             <a:endParaRPr lang="en-US"/>
           </a:p>
@@ -863,7 +868,7 @@
           <a:p>
             <a:fld id="{B2D5772E-8394-4C30-A558-28A44A9AA2CA}" type="datetimeFigureOut">
               <a:rPr lang="en-US" smtClean="0"/>
-              <a:t>11/8/2018</a:t>
+              <a:t>11/9/2018</a:t>
             </a:fld>
             <a:endParaRPr lang="en-US"/>
           </a:p>
@@ -1138,7 +1143,7 @@
           <a:p>
             <a:fld id="{B2D5772E-8394-4C30-A558-28A44A9AA2CA}" type="datetimeFigureOut">
               <a:rPr lang="en-US" smtClean="0"/>
-              <a:t>11/8/2018</a:t>
+              <a:t>11/9/2018</a:t>
             </a:fld>
             <a:endParaRPr lang="en-US"/>
           </a:p>
@@ -1403,7 +1408,7 @@
           <a:p>
             <a:fld id="{B2D5772E-8394-4C30-A558-28A44A9AA2CA}" type="datetimeFigureOut">
               <a:rPr lang="en-US" smtClean="0"/>
-              <a:t>11/8/2018</a:t>
+              <a:t>11/9/2018</a:t>
             </a:fld>
             <a:endParaRPr lang="en-US"/>
           </a:p>
@@ -1815,7 +1820,7 @@
           <a:p>
             <a:fld id="{B2D5772E-8394-4C30-A558-28A44A9AA2CA}" type="datetimeFigureOut">
               <a:rPr lang="en-US" smtClean="0"/>
-              <a:t>11/8/2018</a:t>
+              <a:t>11/9/2018</a:t>
             </a:fld>
             <a:endParaRPr lang="en-US"/>
           </a:p>
@@ -1956,7 +1961,7 @@
           <a:p>
             <a:fld id="{B2D5772E-8394-4C30-A558-28A44A9AA2CA}" type="datetimeFigureOut">
               <a:rPr lang="en-US" smtClean="0"/>
-              <a:t>11/8/2018</a:t>
+              <a:t>11/9/2018</a:t>
             </a:fld>
             <a:endParaRPr lang="en-US"/>
           </a:p>
@@ -2069,7 +2074,7 @@
           <a:p>
             <a:fld id="{B2D5772E-8394-4C30-A558-28A44A9AA2CA}" type="datetimeFigureOut">
               <a:rPr lang="en-US" smtClean="0"/>
-              <a:t>11/8/2018</a:t>
+              <a:t>11/9/2018</a:t>
             </a:fld>
             <a:endParaRPr lang="en-US"/>
           </a:p>
@@ -2380,7 +2385,7 @@
           <a:p>
             <a:fld id="{B2D5772E-8394-4C30-A558-28A44A9AA2CA}" type="datetimeFigureOut">
               <a:rPr lang="en-US" smtClean="0"/>
-              <a:t>11/8/2018</a:t>
+              <a:t>11/9/2018</a:t>
             </a:fld>
             <a:endParaRPr lang="en-US"/>
           </a:p>
@@ -2668,7 +2673,7 @@
           <a:p>
             <a:fld id="{B2D5772E-8394-4C30-A558-28A44A9AA2CA}" type="datetimeFigureOut">
               <a:rPr lang="en-US" smtClean="0"/>
-              <a:t>11/8/2018</a:t>
+              <a:t>11/9/2018</a:t>
             </a:fld>
             <a:endParaRPr lang="en-US"/>
           </a:p>
@@ -2909,7 +2914,7 @@
           <a:p>
             <a:fld id="{B2D5772E-8394-4C30-A558-28A44A9AA2CA}" type="datetimeFigureOut">
               <a:rPr lang="en-US" smtClean="0"/>
-              <a:t>11/8/2018</a:t>
+              <a:t>11/9/2018</a:t>
             </a:fld>
             <a:endParaRPr lang="en-US"/>
           </a:p>
@@ -3915,6 +3920,40 @@
 <file path=ppt/slides/slide5.xml><?xml version="1.0" encoding="utf-8"?>
 <p:sld xmlns:a="http://schemas.openxmlformats.org/drawingml/2006/main" xmlns:r="http://schemas.openxmlformats.org/officeDocument/2006/relationships" xmlns:p="http://schemas.openxmlformats.org/presentationml/2006/main">
   <p:cSld>
+    <p:bg>
+      <p:bgPr>
+        <a:gradFill>
+          <a:gsLst>
+            <a:gs pos="0">
+              <a:schemeClr val="accent1">
+                <a:lumMod val="5000"/>
+                <a:lumOff val="95000"/>
+              </a:schemeClr>
+            </a:gs>
+            <a:gs pos="74000">
+              <a:schemeClr val="accent1">
+                <a:lumMod val="45000"/>
+                <a:lumOff val="55000"/>
+              </a:schemeClr>
+            </a:gs>
+            <a:gs pos="83000">
+              <a:schemeClr val="accent1">
+                <a:lumMod val="45000"/>
+                <a:lumOff val="55000"/>
+              </a:schemeClr>
+            </a:gs>
+            <a:gs pos="100000">
+              <a:schemeClr val="accent1">
+                <a:lumMod val="30000"/>
+                <a:lumOff val="70000"/>
+              </a:schemeClr>
+            </a:gs>
+          </a:gsLst>
+          <a:lin ang="5400000" scaled="1"/>
+        </a:gradFill>
+        <a:effectLst/>
+      </p:bgPr>
+    </p:bg>
     <p:spTree>
       <p:nvGrpSpPr>
         <p:cNvPr id="1" name=""/>
@@ -3948,7 +3987,7 @@
         <p:spPr>
           <a:xfrm>
             <a:off x="0" y="-263525"/>
-            <a:ext cx="10515600" cy="1325563"/>
+            <a:ext cx="4514850" cy="1325563"/>
           </a:xfrm>
         </p:spPr>
         <p:txBody>
@@ -3957,7 +3996,7 @@
           <a:p>
             <a:r>
               <a:rPr lang="en-US" dirty="0"/>
-              <a:t>Image Analysis</a:t>
+              <a:t>PhotoAnalysis.com</a:t>
             </a:r>
           </a:p>
         </p:txBody>
@@ -3980,7 +4019,7 @@
         </p:nvSpPr>
         <p:spPr>
           <a:xfrm>
-            <a:off x="93980" y="2236788"/>
+            <a:off x="81597" y="1687603"/>
             <a:ext cx="3837940" cy="2232660"/>
           </a:xfrm>
         </p:spPr>
@@ -4040,7 +4079,7 @@
         </p:blipFill>
         <p:spPr>
           <a:xfrm>
-            <a:off x="93980" y="867570"/>
+            <a:off x="2257425" y="775010"/>
             <a:ext cx="8128635" cy="786398"/>
           </a:xfrm>
           <a:prstGeom prst="rect">
@@ -4064,8 +4103,8 @@
         </p:nvSpPr>
         <p:spPr>
           <a:xfrm>
-            <a:off x="7592060" y="2236787"/>
-            <a:ext cx="4599940" cy="4587572"/>
+            <a:off x="8559643" y="1952624"/>
+            <a:ext cx="3171824" cy="3738259"/>
           </a:xfrm>
           <a:prstGeom prst="rect">
             <a:avLst/>
@@ -4332,7 +4371,7 @@
         </p:blipFill>
         <p:spPr bwMode="auto">
           <a:xfrm>
-            <a:off x="8410575" y="33641"/>
+            <a:off x="3919537" y="1524113"/>
             <a:ext cx="3781425" cy="2203147"/>
           </a:xfrm>
           <a:prstGeom prst="rect">
@@ -4350,105 +4389,459 @@
           </a:extLst>
         </p:spPr>
       </p:pic>
-      <p:pic>
-        <p:nvPicPr>
-          <p:cNvPr id="2052" name="Picture 4" descr="Image result for tim cook">
-            <a:extLst>
-              <a:ext uri="{FF2B5EF4-FFF2-40B4-BE49-F238E27FC236}">
-                <a16:creationId xmlns:a16="http://schemas.microsoft.com/office/drawing/2014/main" id="{B7EE2961-A560-4AC3-A2BA-A4F42825EC6E}"/>
-              </a:ext>
-            </a:extLst>
-          </p:cNvPr>
-          <p:cNvPicPr>
-            <a:picLocks noChangeAspect="1" noChangeArrowheads="1"/>
-          </p:cNvPicPr>
+      <p:grpSp>
+        <p:nvGrpSpPr>
+          <p:cNvPr id="7" name="Group 6">
+            <a:extLst>
+              <a:ext uri="{FF2B5EF4-FFF2-40B4-BE49-F238E27FC236}">
+                <a16:creationId xmlns:a16="http://schemas.microsoft.com/office/drawing/2014/main" id="{1E361626-D0ED-4093-98E2-CF9EC0051E3A}"/>
+              </a:ext>
+            </a:extLst>
+          </p:cNvPr>
+          <p:cNvGrpSpPr/>
           <p:nvPr/>
-        </p:nvPicPr>
-        <p:blipFill>
-          <a:blip r:embed="rId4">
-            <a:extLst>
-              <a:ext uri="{28A0092B-C50C-407E-A947-70E740481C1C}">
-                <a14:useLocalDpi xmlns:a14="http://schemas.microsoft.com/office/drawing/2010/main" val="0"/>
-              </a:ext>
-            </a:extLst>
-          </a:blip>
-          <a:srcRect/>
-          <a:stretch>
-            <a:fillRect/>
-          </a:stretch>
-        </p:blipFill>
-        <p:spPr bwMode="auto">
+        </p:nvGrpSpPr>
+        <p:grpSpPr>
           <a:xfrm>
-            <a:off x="4119880" y="2021840"/>
-            <a:ext cx="2232660" cy="2232660"/>
+            <a:off x="4754642" y="3727260"/>
+            <a:ext cx="2232660" cy="2255836"/>
+            <a:chOff x="4119880" y="1998664"/>
+            <a:chExt cx="2232660" cy="2255836"/>
           </a:xfrm>
-          <a:prstGeom prst="rect">
-            <a:avLst/>
-          </a:prstGeom>
-          <a:noFill/>
-          <a:extLst>
-            <a:ext uri="{909E8E84-426E-40DD-AFC4-6F175D3DCCD1}">
-              <a14:hiddenFill xmlns:a14="http://schemas.microsoft.com/office/drawing/2010/main">
-                <a:solidFill>
-                  <a:srgbClr val="FFFFFF"/>
-                </a:solidFill>
-              </a14:hiddenFill>
-            </a:ext>
-          </a:extLst>
-        </p:spPr>
-      </p:pic>
-      <p:sp>
-        <p:nvSpPr>
-          <p:cNvPr id="6" name="Rectangle 5">
-            <a:extLst>
-              <a:ext uri="{FF2B5EF4-FFF2-40B4-BE49-F238E27FC236}">
-                <a16:creationId xmlns:a16="http://schemas.microsoft.com/office/drawing/2014/main" id="{92FD7F64-4FEC-4CC2-A854-DCCFC60A00CE}"/>
-              </a:ext>
-            </a:extLst>
-          </p:cNvPr>
-          <p:cNvSpPr/>
+        </p:grpSpPr>
+        <p:pic>
+          <p:nvPicPr>
+            <p:cNvPr id="2052" name="Picture 4" descr="Image result for tim cook">
+              <a:extLst>
+                <a:ext uri="{FF2B5EF4-FFF2-40B4-BE49-F238E27FC236}">
+                  <a16:creationId xmlns:a16="http://schemas.microsoft.com/office/drawing/2014/main" id="{B7EE2961-A560-4AC3-A2BA-A4F42825EC6E}"/>
+                </a:ext>
+              </a:extLst>
+            </p:cNvPr>
+            <p:cNvPicPr>
+              <a:picLocks noChangeAspect="1" noChangeArrowheads="1"/>
+            </p:cNvPicPr>
+            <p:nvPr/>
+          </p:nvPicPr>
+          <p:blipFill>
+            <a:blip r:embed="rId4">
+              <a:extLst>
+                <a:ext uri="{28A0092B-C50C-407E-A947-70E740481C1C}">
+                  <a14:useLocalDpi xmlns:a14="http://schemas.microsoft.com/office/drawing/2010/main" val="0"/>
+                </a:ext>
+              </a:extLst>
+            </a:blip>
+            <a:srcRect/>
+            <a:stretch>
+              <a:fillRect/>
+            </a:stretch>
+          </p:blipFill>
+          <p:spPr bwMode="auto">
+            <a:xfrm>
+              <a:off x="4119880" y="2021840"/>
+              <a:ext cx="2232660" cy="2232660"/>
+            </a:xfrm>
+            <a:prstGeom prst="rect">
+              <a:avLst/>
+            </a:prstGeom>
+            <a:noFill/>
+            <a:extLst>
+              <a:ext uri="{909E8E84-426E-40DD-AFC4-6F175D3DCCD1}">
+                <a14:hiddenFill xmlns:a14="http://schemas.microsoft.com/office/drawing/2010/main">
+                  <a:solidFill>
+                    <a:srgbClr val="FFFFFF"/>
+                  </a:solidFill>
+                </a14:hiddenFill>
+              </a:ext>
+            </a:extLst>
+          </p:spPr>
+        </p:pic>
+        <p:sp>
+          <p:nvSpPr>
+            <p:cNvPr id="6" name="Rectangle 5">
+              <a:extLst>
+                <a:ext uri="{FF2B5EF4-FFF2-40B4-BE49-F238E27FC236}">
+                  <a16:creationId xmlns:a16="http://schemas.microsoft.com/office/drawing/2014/main" id="{92FD7F64-4FEC-4CC2-A854-DCCFC60A00CE}"/>
+                </a:ext>
+              </a:extLst>
+            </p:cNvPr>
+            <p:cNvSpPr/>
+            <p:nvPr/>
+          </p:nvSpPr>
+          <p:spPr>
+            <a:xfrm>
+              <a:off x="4497070" y="1998664"/>
+              <a:ext cx="1598930" cy="1963735"/>
+            </a:xfrm>
+            <a:prstGeom prst="rect">
+              <a:avLst/>
+            </a:prstGeom>
+            <a:noFill/>
+            <a:ln w="57150">
+              <a:solidFill>
+                <a:srgbClr val="FFFF00"/>
+              </a:solidFill>
+            </a:ln>
+          </p:spPr>
+          <p:style>
+            <a:lnRef idx="2">
+              <a:schemeClr val="accent1">
+                <a:shade val="50000"/>
+              </a:schemeClr>
+            </a:lnRef>
+            <a:fillRef idx="1">
+              <a:schemeClr val="accent1"/>
+            </a:fillRef>
+            <a:effectRef idx="0">
+              <a:schemeClr val="accent1"/>
+            </a:effectRef>
+            <a:fontRef idx="minor">
+              <a:schemeClr val="lt1"/>
+            </a:fontRef>
+          </p:style>
+          <p:txBody>
+            <a:bodyPr rtlCol="0" anchor="ctr"/>
+            <a:lstStyle/>
+            <a:p>
+              <a:pPr algn="ctr"/>
+              <a:endParaRPr lang="en-US"/>
+            </a:p>
+          </p:txBody>
+        </p:sp>
+      </p:grpSp>
+      <p:grpSp>
+        <p:nvGrpSpPr>
+          <p:cNvPr id="11" name="Group 10">
+            <a:extLst>
+              <a:ext uri="{FF2B5EF4-FFF2-40B4-BE49-F238E27FC236}">
+                <a16:creationId xmlns:a16="http://schemas.microsoft.com/office/drawing/2014/main" id="{EC934DD8-FD04-46AF-A098-9E75FFAC5CA3}"/>
+              </a:ext>
+            </a:extLst>
+          </p:cNvPr>
+          <p:cNvGrpSpPr/>
           <p:nvPr/>
-        </p:nvSpPr>
-        <p:spPr>
+        </p:nvGrpSpPr>
+        <p:grpSpPr>
           <a:xfrm>
-            <a:off x="4497070" y="1998664"/>
-            <a:ext cx="1598930" cy="1963735"/>
+            <a:off x="6029325" y="168423"/>
+            <a:ext cx="2905125" cy="461665"/>
+            <a:chOff x="6029325" y="168423"/>
+            <a:chExt cx="2905125" cy="461665"/>
           </a:xfrm>
-          <a:prstGeom prst="rect">
-            <a:avLst/>
-          </a:prstGeom>
-          <a:noFill/>
-          <a:ln w="57150">
-            <a:solidFill>
-              <a:srgbClr val="FFFF00"/>
-            </a:solidFill>
-          </a:ln>
-        </p:spPr>
-        <p:style>
-          <a:lnRef idx="2">
-            <a:schemeClr val="accent1">
-              <a:shade val="50000"/>
-            </a:schemeClr>
-          </a:lnRef>
-          <a:fillRef idx="1">
-            <a:schemeClr val="accent1"/>
-          </a:fillRef>
-          <a:effectRef idx="0">
-            <a:schemeClr val="accent1"/>
-          </a:effectRef>
-          <a:fontRef idx="minor">
-            <a:schemeClr val="lt1"/>
-          </a:fontRef>
-        </p:style>
-        <p:txBody>
-          <a:bodyPr rtlCol="0" anchor="ctr"/>
-          <a:lstStyle/>
-          <a:p>
-            <a:pPr algn="ctr"/>
-            <a:endParaRPr lang="en-US"/>
-          </a:p>
-        </p:txBody>
-      </p:sp>
+        </p:grpSpPr>
+        <p:sp>
+          <p:nvSpPr>
+            <p:cNvPr id="9" name="TextBox 8">
+              <a:extLst>
+                <a:ext uri="{FF2B5EF4-FFF2-40B4-BE49-F238E27FC236}">
+                  <a16:creationId xmlns:a16="http://schemas.microsoft.com/office/drawing/2014/main" id="{E739982E-DBA6-488B-9276-B0158BBF5605}"/>
+                </a:ext>
+              </a:extLst>
+            </p:cNvPr>
+            <p:cNvSpPr txBox="1"/>
+            <p:nvPr/>
+          </p:nvSpPr>
+          <p:spPr>
+            <a:xfrm>
+              <a:off x="6029325" y="168423"/>
+              <a:ext cx="2905125" cy="461665"/>
+            </a:xfrm>
+            <a:prstGeom prst="rect">
+              <a:avLst/>
+            </a:prstGeom>
+            <a:noFill/>
+          </p:spPr>
+          <p:txBody>
+            <a:bodyPr wrap="square" rtlCol="0">
+              <a:spAutoFit/>
+            </a:bodyPr>
+            <a:lstStyle/>
+            <a:p>
+              <a:r>
+                <a:rPr lang="en-US" sz="2400" dirty="0"/>
+                <a:t>Search Our Database</a:t>
+              </a:r>
+            </a:p>
+          </p:txBody>
+        </p:sp>
+        <p:sp>
+          <p:nvSpPr>
+            <p:cNvPr id="10" name="Rectangle 9">
+              <a:extLst>
+                <a:ext uri="{FF2B5EF4-FFF2-40B4-BE49-F238E27FC236}">
+                  <a16:creationId xmlns:a16="http://schemas.microsoft.com/office/drawing/2014/main" id="{9F3F0358-5675-4C7A-9FA0-FFC847369F31}"/>
+                </a:ext>
+              </a:extLst>
+            </p:cNvPr>
+            <p:cNvSpPr/>
+            <p:nvPr/>
+          </p:nvSpPr>
+          <p:spPr>
+            <a:xfrm>
+              <a:off x="6029325" y="168423"/>
+              <a:ext cx="2817415" cy="447675"/>
+            </a:xfrm>
+            <a:prstGeom prst="rect">
+              <a:avLst/>
+            </a:prstGeom>
+            <a:noFill/>
+            <a:ln w="38100">
+              <a:solidFill>
+                <a:schemeClr val="accent1">
+                  <a:lumMod val="60000"/>
+                  <a:lumOff val="40000"/>
+                </a:schemeClr>
+              </a:solidFill>
+            </a:ln>
+          </p:spPr>
+          <p:style>
+            <a:lnRef idx="2">
+              <a:schemeClr val="accent1">
+                <a:shade val="50000"/>
+              </a:schemeClr>
+            </a:lnRef>
+            <a:fillRef idx="1">
+              <a:schemeClr val="accent1"/>
+            </a:fillRef>
+            <a:effectRef idx="0">
+              <a:schemeClr val="accent1"/>
+            </a:effectRef>
+            <a:fontRef idx="minor">
+              <a:schemeClr val="lt1"/>
+            </a:fontRef>
+          </p:style>
+          <p:txBody>
+            <a:bodyPr rtlCol="0" anchor="ctr"/>
+            <a:lstStyle/>
+            <a:p>
+              <a:pPr algn="ctr"/>
+              <a:endParaRPr lang="en-US"/>
+            </a:p>
+          </p:txBody>
+        </p:sp>
+      </p:grpSp>
+      <p:grpSp>
+        <p:nvGrpSpPr>
+          <p:cNvPr id="16" name="Group 15">
+            <a:extLst>
+              <a:ext uri="{FF2B5EF4-FFF2-40B4-BE49-F238E27FC236}">
+                <a16:creationId xmlns:a16="http://schemas.microsoft.com/office/drawing/2014/main" id="{3C98876F-5A60-4D6E-8DD7-07217797EEC5}"/>
+              </a:ext>
+            </a:extLst>
+          </p:cNvPr>
+          <p:cNvGrpSpPr/>
+          <p:nvPr/>
+        </p:nvGrpSpPr>
+        <p:grpSpPr>
+          <a:xfrm>
+            <a:off x="8952945" y="168423"/>
+            <a:ext cx="1105455" cy="461665"/>
+            <a:chOff x="7828995" y="168423"/>
+            <a:chExt cx="1105455" cy="461665"/>
+          </a:xfrm>
+        </p:grpSpPr>
+        <p:sp>
+          <p:nvSpPr>
+            <p:cNvPr id="17" name="TextBox 16">
+              <a:extLst>
+                <a:ext uri="{FF2B5EF4-FFF2-40B4-BE49-F238E27FC236}">
+                  <a16:creationId xmlns:a16="http://schemas.microsoft.com/office/drawing/2014/main" id="{856115F3-1342-41CD-91DC-F4790994F516}"/>
+                </a:ext>
+              </a:extLst>
+            </p:cNvPr>
+            <p:cNvSpPr txBox="1"/>
+            <p:nvPr/>
+          </p:nvSpPr>
+          <p:spPr>
+            <a:xfrm>
+              <a:off x="7916705" y="168423"/>
+              <a:ext cx="1017745" cy="461665"/>
+            </a:xfrm>
+            <a:prstGeom prst="rect">
+              <a:avLst/>
+            </a:prstGeom>
+            <a:noFill/>
+          </p:spPr>
+          <p:txBody>
+            <a:bodyPr wrap="square" rtlCol="0">
+              <a:spAutoFit/>
+            </a:bodyPr>
+            <a:lstStyle/>
+            <a:p>
+              <a:r>
+                <a:rPr lang="en-US" sz="2400" dirty="0"/>
+                <a:t>Link 2</a:t>
+              </a:r>
+            </a:p>
+          </p:txBody>
+        </p:sp>
+        <p:sp>
+          <p:nvSpPr>
+            <p:cNvPr id="18" name="Rectangle 17">
+              <a:extLst>
+                <a:ext uri="{FF2B5EF4-FFF2-40B4-BE49-F238E27FC236}">
+                  <a16:creationId xmlns:a16="http://schemas.microsoft.com/office/drawing/2014/main" id="{E25C2159-8295-40A4-B869-8F8553EEEE58}"/>
+                </a:ext>
+              </a:extLst>
+            </p:cNvPr>
+            <p:cNvSpPr/>
+            <p:nvPr/>
+          </p:nvSpPr>
+          <p:spPr>
+            <a:xfrm>
+              <a:off x="7828995" y="168423"/>
+              <a:ext cx="1017745" cy="447675"/>
+            </a:xfrm>
+            <a:prstGeom prst="rect">
+              <a:avLst/>
+            </a:prstGeom>
+            <a:noFill/>
+            <a:ln w="38100">
+              <a:solidFill>
+                <a:schemeClr val="accent1">
+                  <a:lumMod val="60000"/>
+                  <a:lumOff val="40000"/>
+                </a:schemeClr>
+              </a:solidFill>
+            </a:ln>
+          </p:spPr>
+          <p:style>
+            <a:lnRef idx="2">
+              <a:schemeClr val="accent1">
+                <a:shade val="50000"/>
+              </a:schemeClr>
+            </a:lnRef>
+            <a:fillRef idx="1">
+              <a:schemeClr val="accent1"/>
+            </a:fillRef>
+            <a:effectRef idx="0">
+              <a:schemeClr val="accent1"/>
+            </a:effectRef>
+            <a:fontRef idx="minor">
+              <a:schemeClr val="lt1"/>
+            </a:fontRef>
+          </p:style>
+          <p:txBody>
+            <a:bodyPr rtlCol="0" anchor="ctr"/>
+            <a:lstStyle/>
+            <a:p>
+              <a:pPr algn="ctr"/>
+              <a:endParaRPr lang="en-US"/>
+            </a:p>
+          </p:txBody>
+        </p:sp>
+      </p:grpSp>
+      <p:grpSp>
+        <p:nvGrpSpPr>
+          <p:cNvPr id="19" name="Group 18">
+            <a:extLst>
+              <a:ext uri="{FF2B5EF4-FFF2-40B4-BE49-F238E27FC236}">
+                <a16:creationId xmlns:a16="http://schemas.microsoft.com/office/drawing/2014/main" id="{352B083B-E5E8-4653-B190-C0B2D62266CC}"/>
+              </a:ext>
+            </a:extLst>
+          </p:cNvPr>
+          <p:cNvGrpSpPr/>
+          <p:nvPr/>
+        </p:nvGrpSpPr>
+        <p:grpSpPr>
+          <a:xfrm>
+            <a:off x="10057845" y="168423"/>
+            <a:ext cx="1105455" cy="461665"/>
+            <a:chOff x="7828995" y="168423"/>
+            <a:chExt cx="1105455" cy="461665"/>
+          </a:xfrm>
+        </p:grpSpPr>
+        <p:sp>
+          <p:nvSpPr>
+            <p:cNvPr id="20" name="TextBox 19">
+              <a:extLst>
+                <a:ext uri="{FF2B5EF4-FFF2-40B4-BE49-F238E27FC236}">
+                  <a16:creationId xmlns:a16="http://schemas.microsoft.com/office/drawing/2014/main" id="{671E3607-6C14-4A04-A500-EE84A9BDA606}"/>
+                </a:ext>
+              </a:extLst>
+            </p:cNvPr>
+            <p:cNvSpPr txBox="1"/>
+            <p:nvPr/>
+          </p:nvSpPr>
+          <p:spPr>
+            <a:xfrm>
+              <a:off x="7916705" y="168423"/>
+              <a:ext cx="1017745" cy="461665"/>
+            </a:xfrm>
+            <a:prstGeom prst="rect">
+              <a:avLst/>
+            </a:prstGeom>
+            <a:noFill/>
+          </p:spPr>
+          <p:txBody>
+            <a:bodyPr wrap="square" rtlCol="0">
+              <a:spAutoFit/>
+            </a:bodyPr>
+            <a:lstStyle/>
+            <a:p>
+              <a:r>
+                <a:rPr lang="en-US" sz="2400" dirty="0"/>
+                <a:t>Link 3</a:t>
+              </a:r>
+            </a:p>
+          </p:txBody>
+        </p:sp>
+        <p:sp>
+          <p:nvSpPr>
+            <p:cNvPr id="21" name="Rectangle 20">
+              <a:extLst>
+                <a:ext uri="{FF2B5EF4-FFF2-40B4-BE49-F238E27FC236}">
+                  <a16:creationId xmlns:a16="http://schemas.microsoft.com/office/drawing/2014/main" id="{1116CB1D-80B1-4A3D-A79C-199DC1FD4781}"/>
+                </a:ext>
+              </a:extLst>
+            </p:cNvPr>
+            <p:cNvSpPr/>
+            <p:nvPr/>
+          </p:nvSpPr>
+          <p:spPr>
+            <a:xfrm>
+              <a:off x="7828995" y="168423"/>
+              <a:ext cx="1017745" cy="447675"/>
+            </a:xfrm>
+            <a:prstGeom prst="rect">
+              <a:avLst/>
+            </a:prstGeom>
+            <a:noFill/>
+            <a:ln w="38100">
+              <a:solidFill>
+                <a:schemeClr val="accent1">
+                  <a:lumMod val="60000"/>
+                  <a:lumOff val="40000"/>
+                </a:schemeClr>
+              </a:solidFill>
+            </a:ln>
+          </p:spPr>
+          <p:style>
+            <a:lnRef idx="2">
+              <a:schemeClr val="accent1">
+                <a:shade val="50000"/>
+              </a:schemeClr>
+            </a:lnRef>
+            <a:fillRef idx="1">
+              <a:schemeClr val="accent1"/>
+            </a:fillRef>
+            <a:effectRef idx="0">
+              <a:schemeClr val="accent1"/>
+            </a:effectRef>
+            <a:fontRef idx="minor">
+              <a:schemeClr val="lt1"/>
+            </a:fontRef>
+          </p:style>
+          <p:txBody>
+            <a:bodyPr rtlCol="0" anchor="ctr"/>
+            <a:lstStyle/>
+            <a:p>
+              <a:pPr algn="ctr"/>
+              <a:endParaRPr lang="en-US"/>
+            </a:p>
+          </p:txBody>
+        </p:sp>
+      </p:grpSp>
     </p:spTree>
     <p:extLst>
       <p:ext uri="{BB962C8B-B14F-4D97-AF65-F5344CB8AC3E}">
